--- a/gd/p4/informe_covid.pptx
+++ b/gd/p4/informe_covid.pptx
@@ -204,7 +204,7 @@
           <a:p>
             <a:fld id="{BC9D8C7D-41DB-FC41-A6E4-7F718A069034}" type="datetimeFigureOut">
               <a:rPr lang="es-ES" smtClean="0"/>
-              <a:t>19/12/21</a:t>
+              <a:t>20/12/21</a:t>
             </a:fld>
             <a:endParaRPr lang="es-ES"/>
           </a:p>
@@ -671,8 +671,12 @@
           </a:p>
           <a:p>
             <a:r>
-              <a:rPr b="0" dirty="0"/>
-              <a:t>No alt text provided</a:t>
+              <a:rPr lang="es-ES" b="0" dirty="0"/>
+              <a:t>(Otra </a:t>
+            </a:r>
+            <a:r>
+              <a:rPr lang="es-ES" b="0"/>
+              <a:t>visión diferente)</a:t>
             </a:r>
             <a:endParaRPr dirty="0"/>
           </a:p>
@@ -1125,7 +1129,7 @@
           <a:p>
             <a:fld id="{627ED9C8-F09A-4D9E-BEC0-4725162E21FF}" type="datetimeFigureOut">
               <a:rPr lang="en-US" smtClean="0"/>
-              <a:t>12/19/21</a:t>
+              <a:t>12/20/21</a:t>
             </a:fld>
             <a:endParaRPr lang="en-US"/>
           </a:p>
@@ -1293,7 +1297,7 @@
           <a:p>
             <a:fld id="{627ED9C8-F09A-4D9E-BEC0-4725162E21FF}" type="datetimeFigureOut">
               <a:rPr lang="en-US" smtClean="0"/>
-              <a:t>12/19/21</a:t>
+              <a:t>12/20/21</a:t>
             </a:fld>
             <a:endParaRPr lang="en-US"/>
           </a:p>
@@ -1471,7 +1475,7 @@
           <a:p>
             <a:fld id="{627ED9C8-F09A-4D9E-BEC0-4725162E21FF}" type="datetimeFigureOut">
               <a:rPr lang="en-US" smtClean="0"/>
-              <a:t>12/19/21</a:t>
+              <a:t>12/20/21</a:t>
             </a:fld>
             <a:endParaRPr lang="en-US"/>
           </a:p>
@@ -1639,7 +1643,7 @@
           <a:p>
             <a:fld id="{627ED9C8-F09A-4D9E-BEC0-4725162E21FF}" type="datetimeFigureOut">
               <a:rPr lang="en-US" smtClean="0"/>
-              <a:t>12/19/21</a:t>
+              <a:t>12/20/21</a:t>
             </a:fld>
             <a:endParaRPr lang="en-US"/>
           </a:p>
@@ -1884,7 +1888,7 @@
           <a:p>
             <a:fld id="{627ED9C8-F09A-4D9E-BEC0-4725162E21FF}" type="datetimeFigureOut">
               <a:rPr lang="en-US" smtClean="0"/>
-              <a:t>12/19/21</a:t>
+              <a:t>12/20/21</a:t>
             </a:fld>
             <a:endParaRPr lang="en-US"/>
           </a:p>
@@ -2113,7 +2117,7 @@
           <a:p>
             <a:fld id="{627ED9C8-F09A-4D9E-BEC0-4725162E21FF}" type="datetimeFigureOut">
               <a:rPr lang="en-US" smtClean="0"/>
-              <a:t>12/19/21</a:t>
+              <a:t>12/20/21</a:t>
             </a:fld>
             <a:endParaRPr lang="en-US"/>
           </a:p>
@@ -2477,7 +2481,7 @@
           <a:p>
             <a:fld id="{627ED9C8-F09A-4D9E-BEC0-4725162E21FF}" type="datetimeFigureOut">
               <a:rPr lang="en-US" smtClean="0"/>
-              <a:t>12/19/21</a:t>
+              <a:t>12/20/21</a:t>
             </a:fld>
             <a:endParaRPr lang="en-US"/>
           </a:p>
@@ -2594,7 +2598,7 @@
           <a:p>
             <a:fld id="{627ED9C8-F09A-4D9E-BEC0-4725162E21FF}" type="datetimeFigureOut">
               <a:rPr lang="en-US" smtClean="0"/>
-              <a:t>12/19/21</a:t>
+              <a:t>12/20/21</a:t>
             </a:fld>
             <a:endParaRPr lang="en-US"/>
           </a:p>
@@ -2689,7 +2693,7 @@
           <a:p>
             <a:fld id="{627ED9C8-F09A-4D9E-BEC0-4725162E21FF}" type="datetimeFigureOut">
               <a:rPr lang="en-US" smtClean="0"/>
-              <a:t>12/19/21</a:t>
+              <a:t>12/20/21</a:t>
             </a:fld>
             <a:endParaRPr lang="en-US"/>
           </a:p>
@@ -2964,7 +2968,7 @@
           <a:p>
             <a:fld id="{627ED9C8-F09A-4D9E-BEC0-4725162E21FF}" type="datetimeFigureOut">
               <a:rPr lang="en-US" smtClean="0"/>
-              <a:t>12/19/21</a:t>
+              <a:t>12/20/21</a:t>
             </a:fld>
             <a:endParaRPr lang="en-US"/>
           </a:p>
@@ -3216,7 +3220,7 @@
           <a:p>
             <a:fld id="{627ED9C8-F09A-4D9E-BEC0-4725162E21FF}" type="datetimeFigureOut">
               <a:rPr lang="en-US" smtClean="0"/>
-              <a:t>12/19/21</a:t>
+              <a:t>12/20/21</a:t>
             </a:fld>
             <a:endParaRPr lang="en-US"/>
           </a:p>
@@ -3427,7 +3431,7 @@
           <a:p>
             <a:fld id="{627ED9C8-F09A-4D9E-BEC0-4725162E21FF}" type="datetimeFigureOut">
               <a:rPr lang="en-US" smtClean="0"/>
-              <a:t>12/19/21</a:t>
+              <a:t>12/20/21</a:t>
             </a:fld>
             <a:endParaRPr lang="en-US"/>
           </a:p>
